--- a/ILI presentation_Boursiquot.pptx
+++ b/ILI presentation_Boursiquot.pptx
@@ -5,7 +5,7 @@
     <p:sldMasterId id="2147483648" r:id="rId1"/>
   </p:sldMasterIdLst>
   <p:notesMasterIdLst>
-    <p:notesMasterId r:id="rId9"/>
+    <p:notesMasterId r:id="rId10"/>
   </p:notesMasterIdLst>
   <p:sldIdLst>
     <p:sldId id="262" r:id="rId2"/>
@@ -15,6 +15,7 @@
     <p:sldId id="259" r:id="rId6"/>
     <p:sldId id="260" r:id="rId7"/>
     <p:sldId id="261" r:id="rId8"/>
+    <p:sldId id="265" r:id="rId9"/>
   </p:sldIdLst>
   <p:sldSz cx="12192000" cy="6858000"/>
   <p:notesSz cx="6858000" cy="9144000"/>
@@ -113,6 +114,11 @@
       </a:defRPr>
     </a:lvl9pPr>
   </p:defaultTextStyle>
+  <p:extLst>
+    <p:ext uri="{EFAFB233-063F-42B5-8137-9DF3F51BA10A}">
+      <p15:sldGuideLst xmlns:p15="http://schemas.microsoft.com/office/powerpoint/2012/main"/>
+    </p:ext>
+  </p:extLst>
 </p:presentation>
 </file>
 
@@ -198,7 +204,7 @@
           <a:p>
             <a:fld id="{FA07C5F2-B5C1-4067-A4DD-B8E4DDF29FB1}" type="datetimeFigureOut">
               <a:rPr lang="en-US" smtClean="0"/>
-              <a:t>6/27/2018</a:t>
+              <a:t>6/28/2018</a:t>
             </a:fld>
             <a:endParaRPr lang="en-US"/>
           </a:p>
@@ -765,7 +771,7 @@
           <a:p>
             <a:fld id="{3440D247-66FB-438B-9531-A59F76484055}" type="datetime1">
               <a:rPr lang="en-US" smtClean="0"/>
-              <a:t>6/27/2018</a:t>
+              <a:t>6/28/2018</a:t>
             </a:fld>
             <a:endParaRPr lang="en-US"/>
           </a:p>
@@ -935,7 +941,7 @@
           <a:p>
             <a:fld id="{263751EA-E84D-486E-8037-8D61FC62E627}" type="datetime1">
               <a:rPr lang="en-US" smtClean="0"/>
-              <a:t>6/27/2018</a:t>
+              <a:t>6/28/2018</a:t>
             </a:fld>
             <a:endParaRPr lang="en-US"/>
           </a:p>
@@ -1115,7 +1121,7 @@
           <a:p>
             <a:fld id="{8FDA3D7B-3D10-43B9-9B14-6F4EAB89C399}" type="datetime1">
               <a:rPr lang="en-US" smtClean="0"/>
-              <a:t>6/27/2018</a:t>
+              <a:t>6/28/2018</a:t>
             </a:fld>
             <a:endParaRPr lang="en-US"/>
           </a:p>
@@ -1285,7 +1291,7 @@
           <a:p>
             <a:fld id="{C4D5483D-DEA9-47D9-9675-FC7B52FD2919}" type="datetime1">
               <a:rPr lang="en-US" smtClean="0"/>
-              <a:t>6/27/2018</a:t>
+              <a:t>6/28/2018</a:t>
             </a:fld>
             <a:endParaRPr lang="en-US"/>
           </a:p>
@@ -1531,7 +1537,7 @@
           <a:p>
             <a:fld id="{CF0ECC11-6083-486C-932F-06309F11FE76}" type="datetime1">
               <a:rPr lang="en-US" smtClean="0"/>
-              <a:t>6/27/2018</a:t>
+              <a:t>6/28/2018</a:t>
             </a:fld>
             <a:endParaRPr lang="en-US"/>
           </a:p>
@@ -1763,7 +1769,7 @@
           <a:p>
             <a:fld id="{FB53AAF9-14E7-4853-909F-52C111BB847A}" type="datetime1">
               <a:rPr lang="en-US" smtClean="0"/>
-              <a:t>6/27/2018</a:t>
+              <a:t>6/28/2018</a:t>
             </a:fld>
             <a:endParaRPr lang="en-US"/>
           </a:p>
@@ -2130,7 +2136,7 @@
           <a:p>
             <a:fld id="{F59730C0-CD4F-4FD0-938C-6BCDB599A9BD}" type="datetime1">
               <a:rPr lang="en-US" smtClean="0"/>
-              <a:t>6/27/2018</a:t>
+              <a:t>6/28/2018</a:t>
             </a:fld>
             <a:endParaRPr lang="en-US"/>
           </a:p>
@@ -2248,7 +2254,7 @@
           <a:p>
             <a:fld id="{F9A81CF7-04B9-44A6-83F2-193C338D304F}" type="datetime1">
               <a:rPr lang="en-US" smtClean="0"/>
-              <a:t>6/27/2018</a:t>
+              <a:t>6/28/2018</a:t>
             </a:fld>
             <a:endParaRPr lang="en-US"/>
           </a:p>
@@ -2343,7 +2349,7 @@
           <a:p>
             <a:fld id="{1BFF3222-E67F-4028-B1D6-C26949026D4F}" type="datetime1">
               <a:rPr lang="en-US" smtClean="0"/>
-              <a:t>6/27/2018</a:t>
+              <a:t>6/28/2018</a:t>
             </a:fld>
             <a:endParaRPr lang="en-US"/>
           </a:p>
@@ -2620,7 +2626,7 @@
           <a:p>
             <a:fld id="{0BC69F6D-96E3-4ABA-B389-112555D921EF}" type="datetime1">
               <a:rPr lang="en-US" smtClean="0"/>
-              <a:t>6/27/2018</a:t>
+              <a:t>6/28/2018</a:t>
             </a:fld>
             <a:endParaRPr lang="en-US"/>
           </a:p>
@@ -2873,7 +2879,7 @@
           <a:p>
             <a:fld id="{8D330D7B-A73D-4BBC-9020-ABA5FB0387EA}" type="datetime1">
               <a:rPr lang="en-US" smtClean="0"/>
-              <a:t>6/27/2018</a:t>
+              <a:t>6/28/2018</a:t>
             </a:fld>
             <a:endParaRPr lang="en-US"/>
           </a:p>
@@ -3086,7 +3092,7 @@
           <a:p>
             <a:fld id="{6813D5C3-ED17-4058-BC36-AA595A73EAA8}" type="datetime1">
               <a:rPr lang="en-US" smtClean="0"/>
-              <a:t>6/27/2018</a:t>
+              <a:t>6/28/2018</a:t>
             </a:fld>
             <a:endParaRPr lang="en-US"/>
           </a:p>
@@ -3683,11 +3689,7 @@
             </a:pPr>
             <a:r>
               <a:rPr lang="en-US" dirty="0" smtClean="0"/>
-              <a:t>Responsible for providing health services to the ~2.2 million AI/AN in 573 federally recognized </a:t>
-            </a:r>
-            <a:r>
-              <a:rPr lang="en-US" dirty="0" smtClean="0"/>
-              <a:t>tribes</a:t>
+              <a:t>Responsible for providing health services to the ~2.2 million AI/AN in 573 federally recognized tribes</a:t>
             </a:r>
           </a:p>
           <a:p>
@@ -3706,7 +3708,6 @@
               <a:rPr lang="en-US" dirty="0" smtClean="0"/>
               <a:t>Carries out mission by employing medical providers and support staff in clinics and hospitals, Area Offices, and HQ</a:t>
             </a:r>
-            <a:endParaRPr lang="en-US" dirty="0" smtClean="0"/>
           </a:p>
           <a:p>
             <a:endParaRPr lang="en-US" dirty="0" smtClean="0"/>
@@ -4618,6 +4619,139 @@
     <p:extLst>
       <p:ext uri="{BB962C8B-B14F-4D97-AF65-F5344CB8AC3E}">
         <p14:creationId xmlns:p14="http://schemas.microsoft.com/office/powerpoint/2010/main" val="2468555385"/>
+      </p:ext>
+    </p:extLst>
+  </p:cSld>
+  <p:clrMapOvr>
+    <a:masterClrMapping/>
+  </p:clrMapOvr>
+</p:sld>
+</file>
+
+<file path=ppt/slides/slide8.xml><?xml version="1.0" encoding="utf-8"?>
+<p:sld xmlns:a="http://schemas.openxmlformats.org/drawingml/2006/main" xmlns:r="http://schemas.openxmlformats.org/officeDocument/2006/relationships" xmlns:p="http://schemas.openxmlformats.org/presentationml/2006/main">
+  <p:cSld>
+    <p:spTree>
+      <p:nvGrpSpPr>
+        <p:cNvPr id="1" name=""/>
+        <p:cNvGrpSpPr/>
+        <p:nvPr/>
+      </p:nvGrpSpPr>
+      <p:grpSpPr>
+        <a:xfrm>
+          <a:off x="0" y="0"/>
+          <a:ext cx="0" cy="0"/>
+          <a:chOff x="0" y="0"/>
+          <a:chExt cx="0" cy="0"/>
+        </a:xfrm>
+      </p:grpSpPr>
+      <p:sp>
+        <p:nvSpPr>
+          <p:cNvPr id="2" name="Title 1"/>
+          <p:cNvSpPr>
+            <a:spLocks noGrp="1"/>
+          </p:cNvSpPr>
+          <p:nvPr>
+            <p:ph type="title"/>
+          </p:nvPr>
+        </p:nvSpPr>
+        <p:spPr/>
+        <p:txBody>
+          <a:bodyPr/>
+          <a:lstStyle/>
+          <a:p>
+            <a:r>
+              <a:rPr lang="en-US" dirty="0" smtClean="0"/>
+              <a:t>Action Plan</a:t>
+            </a:r>
+            <a:endParaRPr lang="en-US" dirty="0"/>
+          </a:p>
+        </p:txBody>
+      </p:sp>
+      <p:sp>
+        <p:nvSpPr>
+          <p:cNvPr id="3" name="Content Placeholder 2"/>
+          <p:cNvSpPr>
+            <a:spLocks noGrp="1"/>
+          </p:cNvSpPr>
+          <p:nvPr>
+            <p:ph idx="1"/>
+          </p:nvPr>
+        </p:nvSpPr>
+        <p:spPr/>
+        <p:txBody>
+          <a:bodyPr>
+            <a:normAutofit/>
+          </a:bodyPr>
+          <a:lstStyle/>
+          <a:p>
+            <a:r>
+              <a:rPr lang="en-US" dirty="0" smtClean="0"/>
+              <a:t>Review code to address calculation issues</a:t>
+            </a:r>
+          </a:p>
+          <a:p>
+            <a:pPr marL="0" indent="0">
+              <a:buNone/>
+            </a:pPr>
+            <a:endParaRPr lang="en-US" dirty="0" smtClean="0"/>
+          </a:p>
+          <a:p>
+            <a:r>
+              <a:rPr lang="en-US" dirty="0"/>
+              <a:t>Figure out best way to display medication data</a:t>
+            </a:r>
+          </a:p>
+          <a:p>
+            <a:endParaRPr lang="en-US" dirty="0" smtClean="0"/>
+          </a:p>
+          <a:p>
+            <a:r>
+              <a:rPr lang="en-US" dirty="0" smtClean="0"/>
+              <a:t>Work on map of reporting facilities</a:t>
+            </a:r>
+          </a:p>
+          <a:p>
+            <a:pPr marL="0" indent="0">
+              <a:buNone/>
+            </a:pPr>
+            <a:endParaRPr lang="en-US" dirty="0" smtClean="0"/>
+          </a:p>
+          <a:p>
+            <a:r>
+              <a:rPr lang="en-US" dirty="0" smtClean="0"/>
+              <a:t>See what other data (hospitalization numbers, year-to-year immunization counts) can be incorporated </a:t>
+            </a:r>
+          </a:p>
+        </p:txBody>
+      </p:sp>
+      <p:sp>
+        <p:nvSpPr>
+          <p:cNvPr id="4" name="Slide Number Placeholder 3"/>
+          <p:cNvSpPr>
+            <a:spLocks noGrp="1"/>
+          </p:cNvSpPr>
+          <p:nvPr>
+            <p:ph type="sldNum" sz="quarter" idx="12"/>
+          </p:nvPr>
+        </p:nvSpPr>
+        <p:spPr/>
+        <p:txBody>
+          <a:bodyPr/>
+          <a:lstStyle/>
+          <a:p>
+            <a:fld id="{0E4E760F-824F-4736-BAC3-4758FFAA337A}" type="slidenum">
+              <a:rPr lang="en-US" smtClean="0"/>
+              <a:t>8</a:t>
+            </a:fld>
+            <a:endParaRPr lang="en-US"/>
+          </a:p>
+        </p:txBody>
+      </p:sp>
+    </p:spTree>
+    <p:extLst>
+      <p:ext uri="{BB962C8B-B14F-4D97-AF65-F5344CB8AC3E}">
+        <p14:creationId xmlns:p14="http://schemas.microsoft.com/office/powerpoint/2010/main" val="3324019480"/>
       </p:ext>
     </p:extLst>
   </p:cSld>
